--- a/网页设计与制作/课件/6/css盒子.pptx
+++ b/网页设计与制作/课件/6/css盒子.pptx
@@ -6,9 +6,11 @@
   </p:sldMasterIdLst>
   <p:sldIdLst>
     <p:sldId id="267" r:id="rId2"/>
-    <p:sldId id="268" r:id="rId3"/>
-    <p:sldId id="269" r:id="rId4"/>
-    <p:sldId id="270" r:id="rId5"/>
+    <p:sldId id="271" r:id="rId3"/>
+    <p:sldId id="272" r:id="rId4"/>
+    <p:sldId id="268" r:id="rId5"/>
+    <p:sldId id="269" r:id="rId6"/>
+    <p:sldId id="270" r:id="rId7"/>
   </p:sldIdLst>
   <p:sldSz cx="12192000" cy="6858000"/>
   <p:notesSz cx="6858000" cy="9144000"/>
@@ -262,7 +264,7 @@
           <a:p>
             <a:fld id="{E83EDE64-C72F-4BF4-B472-CBD4067196D8}" type="datetimeFigureOut">
               <a:rPr lang="zh-CN" altLang="en-US" smtClean="0"/>
-              <a:t>2020/10/5</a:t>
+              <a:t>2020/10/19</a:t>
             </a:fld>
             <a:endParaRPr lang="zh-CN" altLang="en-US"/>
           </a:p>
@@ -460,7 +462,7 @@
           <a:p>
             <a:fld id="{E83EDE64-C72F-4BF4-B472-CBD4067196D8}" type="datetimeFigureOut">
               <a:rPr lang="zh-CN" altLang="en-US" smtClean="0"/>
-              <a:t>2020/10/5</a:t>
+              <a:t>2020/10/19</a:t>
             </a:fld>
             <a:endParaRPr lang="zh-CN" altLang="en-US"/>
           </a:p>
@@ -668,7 +670,7 @@
           <a:p>
             <a:fld id="{E83EDE64-C72F-4BF4-B472-CBD4067196D8}" type="datetimeFigureOut">
               <a:rPr lang="zh-CN" altLang="en-US" smtClean="0"/>
-              <a:t>2020/10/5</a:t>
+              <a:t>2020/10/19</a:t>
             </a:fld>
             <a:endParaRPr lang="zh-CN" altLang="en-US"/>
           </a:p>
@@ -866,7 +868,7 @@
           <a:p>
             <a:fld id="{E83EDE64-C72F-4BF4-B472-CBD4067196D8}" type="datetimeFigureOut">
               <a:rPr lang="zh-CN" altLang="en-US" smtClean="0"/>
-              <a:t>2020/10/5</a:t>
+              <a:t>2020/10/19</a:t>
             </a:fld>
             <a:endParaRPr lang="zh-CN" altLang="en-US"/>
           </a:p>
@@ -1141,7 +1143,7 @@
           <a:p>
             <a:fld id="{E83EDE64-C72F-4BF4-B472-CBD4067196D8}" type="datetimeFigureOut">
               <a:rPr lang="zh-CN" altLang="en-US" smtClean="0"/>
-              <a:t>2020/10/5</a:t>
+              <a:t>2020/10/19</a:t>
             </a:fld>
             <a:endParaRPr lang="zh-CN" altLang="en-US"/>
           </a:p>
@@ -1406,7 +1408,7 @@
           <a:p>
             <a:fld id="{E83EDE64-C72F-4BF4-B472-CBD4067196D8}" type="datetimeFigureOut">
               <a:rPr lang="zh-CN" altLang="en-US" smtClean="0"/>
-              <a:t>2020/10/5</a:t>
+              <a:t>2020/10/19</a:t>
             </a:fld>
             <a:endParaRPr lang="zh-CN" altLang="en-US"/>
           </a:p>
@@ -1818,7 +1820,7 @@
           <a:p>
             <a:fld id="{E83EDE64-C72F-4BF4-B472-CBD4067196D8}" type="datetimeFigureOut">
               <a:rPr lang="zh-CN" altLang="en-US" smtClean="0"/>
-              <a:t>2020/10/5</a:t>
+              <a:t>2020/10/19</a:t>
             </a:fld>
             <a:endParaRPr lang="zh-CN" altLang="en-US"/>
           </a:p>
@@ -1959,7 +1961,7 @@
           <a:p>
             <a:fld id="{E83EDE64-C72F-4BF4-B472-CBD4067196D8}" type="datetimeFigureOut">
               <a:rPr lang="zh-CN" altLang="en-US" smtClean="0"/>
-              <a:t>2020/10/5</a:t>
+              <a:t>2020/10/19</a:t>
             </a:fld>
             <a:endParaRPr lang="zh-CN" altLang="en-US"/>
           </a:p>
@@ -2072,7 +2074,7 @@
           <a:p>
             <a:fld id="{E83EDE64-C72F-4BF4-B472-CBD4067196D8}" type="datetimeFigureOut">
               <a:rPr lang="zh-CN" altLang="en-US" smtClean="0"/>
-              <a:t>2020/10/5</a:t>
+              <a:t>2020/10/19</a:t>
             </a:fld>
             <a:endParaRPr lang="zh-CN" altLang="en-US"/>
           </a:p>
@@ -2383,7 +2385,7 @@
           <a:p>
             <a:fld id="{E83EDE64-C72F-4BF4-B472-CBD4067196D8}" type="datetimeFigureOut">
               <a:rPr lang="zh-CN" altLang="en-US" smtClean="0"/>
-              <a:t>2020/10/5</a:t>
+              <a:t>2020/10/19</a:t>
             </a:fld>
             <a:endParaRPr lang="zh-CN" altLang="en-US"/>
           </a:p>
@@ -2671,7 +2673,7 @@
           <a:p>
             <a:fld id="{E83EDE64-C72F-4BF4-B472-CBD4067196D8}" type="datetimeFigureOut">
               <a:rPr lang="zh-CN" altLang="en-US" smtClean="0"/>
-              <a:t>2020/10/5</a:t>
+              <a:t>2020/10/19</a:t>
             </a:fld>
             <a:endParaRPr lang="zh-CN" altLang="en-US"/>
           </a:p>
@@ -2912,7 +2914,7 @@
           <a:p>
             <a:fld id="{E83EDE64-C72F-4BF4-B472-CBD4067196D8}" type="datetimeFigureOut">
               <a:rPr lang="zh-CN" altLang="en-US" smtClean="0"/>
-              <a:t>2020/10/5</a:t>
+              <a:t>2020/10/19</a:t>
             </a:fld>
             <a:endParaRPr lang="zh-CN" altLang="en-US"/>
           </a:p>
@@ -3481,9 +3483,10 @@
           <a:lstStyle/>
           <a:p>
             <a:r>
-              <a:rPr lang="zh-CN" altLang="en-US"/>
-              <a:t>两种盒子标准</a:t>
-            </a:r>
+              <a:rPr lang="zh-CN" altLang="en-US" smtClean="0"/>
+              <a:t>内边距与外边距</a:t>
+            </a:r>
+            <a:endParaRPr lang="zh-CN" altLang="en-US"/>
           </a:p>
         </p:txBody>
       </p:sp>
@@ -3503,86 +3506,99 @@
           <a:lstStyle/>
           <a:p>
             <a:r>
-              <a:rPr lang="zh-CN" altLang="en-US"/>
-              <a:t>根据计算</a:t>
-            </a:r>
-            <a:r>
-              <a:rPr lang="en-US" altLang="zh-CN"/>
-              <a:t>width</a:t>
-            </a:r>
-            <a:r>
-              <a:rPr lang="zh-CN" altLang="en-US"/>
-              <a:t>的方式不同，盒子模型分为两个标准。</a:t>
-            </a:r>
-            <a:endParaRPr lang="en-US" altLang="zh-CN"/>
-          </a:p>
-          <a:p>
-            <a:r>
-              <a:rPr lang="en-US" altLang="zh-CN"/>
-              <a:t>IE</a:t>
-            </a:r>
-            <a:r>
-              <a:rPr lang="zh-CN" altLang="en-US"/>
-              <a:t>盒子标准和</a:t>
-            </a:r>
-            <a:r>
-              <a:rPr lang="en-US" altLang="zh-CN"/>
-              <a:t>W3C</a:t>
-            </a:r>
-            <a:r>
-              <a:rPr lang="zh-CN" altLang="en-US"/>
-              <a:t>盒子标准。</a:t>
-            </a:r>
-            <a:endParaRPr lang="en-US" altLang="zh-CN"/>
-          </a:p>
-          <a:p>
-            <a:r>
-              <a:rPr lang="en-US" altLang="zh-CN"/>
-              <a:t>W3C</a:t>
-            </a:r>
-            <a:r>
-              <a:rPr lang="zh-CN" altLang="en-US"/>
-              <a:t>盒子标准浏览器默认使用的盒子标准。但是在使用中，常用的是</a:t>
-            </a:r>
-            <a:r>
-              <a:rPr lang="en-US" altLang="zh-CN"/>
-              <a:t>IE</a:t>
-            </a:r>
-            <a:r>
-              <a:rPr lang="zh-CN" altLang="en-US"/>
-              <a:t>盒子标准。</a:t>
-            </a:r>
-            <a:endParaRPr lang="en-US" altLang="zh-CN"/>
-          </a:p>
-          <a:p>
-            <a:r>
-              <a:rPr lang="zh-CN" altLang="en-US"/>
-              <a:t>使用</a:t>
-            </a:r>
-            <a:r>
-              <a:rPr lang="en-US" altLang="zh-CN"/>
-              <a:t>box-sizing:border-box</a:t>
-            </a:r>
-            <a:r>
-              <a:rPr lang="zh-CN" altLang="en-US"/>
-              <a:t>将盒子标准设置为</a:t>
-            </a:r>
-            <a:r>
-              <a:rPr lang="en-US" altLang="zh-CN"/>
-              <a:t>IE</a:t>
-            </a:r>
-            <a:r>
-              <a:rPr lang="zh-CN" altLang="en-US"/>
-              <a:t>标准。</a:t>
-            </a:r>
-            <a:endParaRPr lang="en-US" altLang="zh-CN"/>
+              <a:rPr lang="en-US" altLang="zh-CN" smtClean="0"/>
+              <a:t>padding</a:t>
+            </a:r>
+            <a:r>
+              <a:rPr lang="zh-CN" altLang="en-US" smtClean="0"/>
+              <a:t>：设置内边距</a:t>
+            </a:r>
+            <a:endParaRPr lang="en-US" altLang="zh-CN" smtClean="0"/>
+          </a:p>
+          <a:p>
+            <a:r>
+              <a:rPr lang="en-US" altLang="zh-CN" smtClean="0"/>
+              <a:t>margin</a:t>
+            </a:r>
+            <a:r>
+              <a:rPr lang="zh-CN" altLang="en-US" smtClean="0"/>
+              <a:t>：设置外边距</a:t>
+            </a:r>
+            <a:endParaRPr lang="en-US" altLang="zh-CN" smtClean="0"/>
+          </a:p>
+          <a:p>
+            <a:r>
+              <a:rPr lang="en-US" altLang="zh-CN" smtClean="0"/>
+              <a:t>padding</a:t>
+            </a:r>
+            <a:r>
+              <a:rPr lang="zh-CN" altLang="en-US" smtClean="0"/>
+              <a:t>和</a:t>
+            </a:r>
+            <a:r>
+              <a:rPr lang="en-US" altLang="zh-CN" smtClean="0"/>
+              <a:t>margin</a:t>
+            </a:r>
+            <a:r>
+              <a:rPr lang="zh-CN" altLang="en-US" smtClean="0"/>
+              <a:t>可以加上</a:t>
+            </a:r>
+            <a:r>
+              <a:rPr lang="en-US" altLang="zh-CN" smtClean="0"/>
+              <a:t>top</a:t>
+            </a:r>
+            <a:r>
+              <a:rPr lang="zh-CN" altLang="en-US" smtClean="0"/>
+              <a:t>、</a:t>
+            </a:r>
+            <a:r>
+              <a:rPr lang="en-US" altLang="zh-CN" smtClean="0"/>
+              <a:t>left</a:t>
+            </a:r>
+            <a:r>
+              <a:rPr lang="zh-CN" altLang="en-US" smtClean="0"/>
+              <a:t>、</a:t>
+            </a:r>
+            <a:r>
+              <a:rPr lang="en-US" altLang="zh-CN" smtClean="0"/>
+              <a:t>right</a:t>
+            </a:r>
+            <a:r>
+              <a:rPr lang="zh-CN" altLang="en-US" smtClean="0"/>
+              <a:t>、</a:t>
+            </a:r>
+            <a:r>
+              <a:rPr lang="en-US" altLang="zh-CN" smtClean="0"/>
+              <a:t>bottom</a:t>
+            </a:r>
+            <a:r>
+              <a:rPr lang="zh-CN" altLang="en-US" smtClean="0"/>
+              <a:t>单独对四个方向设置内外边距，例如：</a:t>
+            </a:r>
+            <a:r>
+              <a:rPr lang="en-US" altLang="zh-CN" smtClean="0"/>
+              <a:t>padding-top</a:t>
+            </a:r>
+            <a:r>
+              <a:rPr lang="zh-CN" altLang="en-US" smtClean="0"/>
+              <a:t>，</a:t>
+            </a:r>
+            <a:r>
+              <a:rPr lang="en-US" altLang="zh-CN" smtClean="0"/>
+              <a:t>margin-left</a:t>
+            </a:r>
+            <a:r>
+              <a:rPr lang="zh-CN" altLang="en-US" smtClean="0"/>
+              <a:t>。</a:t>
+            </a:r>
+            <a:endParaRPr lang="en-US" altLang="zh-CN" smtClean="0"/>
           </a:p>
         </p:txBody>
       </p:sp>
     </p:spTree>
     <p:extLst>
       <p:ext uri="{BB962C8B-B14F-4D97-AF65-F5344CB8AC3E}">
-        <p14:creationId xmlns:p14="http://schemas.microsoft.com/office/powerpoint/2010/main" val="1959368802"/>
+        <p14:creationId xmlns:p14="http://schemas.microsoft.com/office/powerpoint/2010/main" val="672833757"/>
       </p:ext>
     </p:extLst>
   </p:cSld>
@@ -3625,6 +3641,309 @@
           <a:lstStyle/>
           <a:p>
             <a:r>
+              <a:rPr lang="zh-CN" altLang="en-US"/>
+              <a:t>内外边距的值</a:t>
+            </a:r>
+          </a:p>
+        </p:txBody>
+      </p:sp>
+      <p:sp>
+        <p:nvSpPr>
+          <p:cNvPr id="3" name="内容占位符 2"/>
+          <p:cNvSpPr>
+            <a:spLocks noGrp="1"/>
+          </p:cNvSpPr>
+          <p:nvPr>
+            <p:ph idx="1"/>
+          </p:nvPr>
+        </p:nvSpPr>
+        <p:spPr/>
+        <p:txBody>
+          <a:bodyPr/>
+          <a:lstStyle/>
+          <a:p>
+            <a:r>
+              <a:rPr lang="zh-CN" altLang="en-US"/>
+              <a:t>内外边距</a:t>
+            </a:r>
+            <a:r>
+              <a:rPr lang="zh-CN" altLang="en-US"/>
+              <a:t>的</a:t>
+            </a:r>
+            <a:r>
+              <a:rPr lang="zh-CN" altLang="en-US" smtClean="0"/>
+              <a:t>值为长度单位，都</a:t>
+            </a:r>
+            <a:r>
+              <a:rPr lang="zh-CN" altLang="en-US"/>
+              <a:t>有三种写法：</a:t>
+            </a:r>
+            <a:endParaRPr lang="en-US" altLang="zh-CN"/>
+          </a:p>
+          <a:p>
+            <a:r>
+              <a:rPr lang="zh-CN" altLang="en-US"/>
+              <a:t>一个值：同时对四边设置内外边距，例如</a:t>
+            </a:r>
+            <a:r>
+              <a:rPr lang="en-US" altLang="zh-CN"/>
+              <a:t>padding</a:t>
+            </a:r>
+            <a:r>
+              <a:rPr lang="zh-CN" altLang="en-US"/>
+              <a:t>：</a:t>
+            </a:r>
+            <a:r>
+              <a:rPr lang="en-US" altLang="zh-CN"/>
+              <a:t>10px</a:t>
+            </a:r>
+          </a:p>
+          <a:p>
+            <a:r>
+              <a:rPr lang="zh-CN" altLang="en-US"/>
+              <a:t>两个值：第一个值设置上下，第二个设置左右，例如：</a:t>
+            </a:r>
+            <a:r>
+              <a:rPr lang="en-US" altLang="zh-CN"/>
+              <a:t>margin</a:t>
+            </a:r>
+            <a:r>
+              <a:rPr lang="zh-CN" altLang="en-US"/>
+              <a:t>：</a:t>
+            </a:r>
+            <a:r>
+              <a:rPr lang="en-US" altLang="zh-CN"/>
+              <a:t>10px </a:t>
+            </a:r>
+            <a:r>
+              <a:rPr lang="en-US" altLang="zh-CN" smtClean="0"/>
+              <a:t>20px</a:t>
+            </a:r>
+          </a:p>
+          <a:p>
+            <a:r>
+              <a:rPr lang="zh-CN" altLang="en-US"/>
+              <a:t>四</a:t>
+            </a:r>
+            <a:r>
+              <a:rPr lang="zh-CN" altLang="en-US" smtClean="0"/>
+              <a:t>个值：分别对四个方向设置，顺序为上，右，下，左，例如：</a:t>
+            </a:r>
+            <a:r>
+              <a:rPr lang="en-US" altLang="zh-CN" smtClean="0"/>
+              <a:t>padding</a:t>
+            </a:r>
+            <a:r>
+              <a:rPr lang="zh-CN" altLang="en-US" smtClean="0"/>
+              <a:t>：</a:t>
+            </a:r>
+            <a:r>
+              <a:rPr lang="en-US" altLang="zh-CN" smtClean="0"/>
+              <a:t>5px 6px 10px 13px</a:t>
+            </a:r>
+          </a:p>
+          <a:p>
+            <a:r>
+              <a:rPr lang="zh-CN" altLang="en-US" smtClean="0"/>
+              <a:t>如果值为百分比，那么百分比的参考对象为其父元素。</a:t>
+            </a:r>
+            <a:endParaRPr lang="en-US" altLang="zh-CN"/>
+          </a:p>
+          <a:p>
+            <a:endParaRPr lang="zh-CN" altLang="en-US"/>
+          </a:p>
+        </p:txBody>
+      </p:sp>
+    </p:spTree>
+    <p:extLst>
+      <p:ext uri="{BB962C8B-B14F-4D97-AF65-F5344CB8AC3E}">
+        <p14:creationId xmlns:p14="http://schemas.microsoft.com/office/powerpoint/2010/main" val="4138742155"/>
+      </p:ext>
+    </p:extLst>
+  </p:cSld>
+  <p:clrMapOvr>
+    <a:masterClrMapping/>
+  </p:clrMapOvr>
+</p:sld>
+</file>
+
+<file path=ppt/slides/slide4.xml><?xml version="1.0" encoding="utf-8"?>
+<p:sld xmlns:a="http://schemas.openxmlformats.org/drawingml/2006/main" xmlns:r="http://schemas.openxmlformats.org/officeDocument/2006/relationships" xmlns:p="http://schemas.openxmlformats.org/presentationml/2006/main">
+  <p:cSld>
+    <p:spTree>
+      <p:nvGrpSpPr>
+        <p:cNvPr id="1" name=""/>
+        <p:cNvGrpSpPr/>
+        <p:nvPr/>
+      </p:nvGrpSpPr>
+      <p:grpSpPr>
+        <a:xfrm>
+          <a:off x="0" y="0"/>
+          <a:ext cx="0" cy="0"/>
+          <a:chOff x="0" y="0"/>
+          <a:chExt cx="0" cy="0"/>
+        </a:xfrm>
+      </p:grpSpPr>
+      <p:sp>
+        <p:nvSpPr>
+          <p:cNvPr id="2" name="标题 1"/>
+          <p:cNvSpPr>
+            <a:spLocks noGrp="1"/>
+          </p:cNvSpPr>
+          <p:nvPr>
+            <p:ph type="title"/>
+          </p:nvPr>
+        </p:nvSpPr>
+        <p:spPr/>
+        <p:txBody>
+          <a:bodyPr/>
+          <a:lstStyle/>
+          <a:p>
+            <a:r>
+              <a:rPr lang="zh-CN" altLang="en-US"/>
+              <a:t>两种盒子标准</a:t>
+            </a:r>
+          </a:p>
+        </p:txBody>
+      </p:sp>
+      <p:sp>
+        <p:nvSpPr>
+          <p:cNvPr id="3" name="内容占位符 2"/>
+          <p:cNvSpPr>
+            <a:spLocks noGrp="1"/>
+          </p:cNvSpPr>
+          <p:nvPr>
+            <p:ph idx="1"/>
+          </p:nvPr>
+        </p:nvSpPr>
+        <p:spPr/>
+        <p:txBody>
+          <a:bodyPr/>
+          <a:lstStyle/>
+          <a:p>
+            <a:r>
+              <a:rPr lang="zh-CN" altLang="en-US"/>
+              <a:t>根据计算</a:t>
+            </a:r>
+            <a:r>
+              <a:rPr lang="en-US" altLang="zh-CN"/>
+              <a:t>width</a:t>
+            </a:r>
+            <a:r>
+              <a:rPr lang="zh-CN" altLang="en-US"/>
+              <a:t>的方式不同，盒子模型分为两个标准。</a:t>
+            </a:r>
+            <a:endParaRPr lang="en-US" altLang="zh-CN"/>
+          </a:p>
+          <a:p>
+            <a:r>
+              <a:rPr lang="en-US" altLang="zh-CN"/>
+              <a:t>IE</a:t>
+            </a:r>
+            <a:r>
+              <a:rPr lang="zh-CN" altLang="en-US"/>
+              <a:t>盒子标准和</a:t>
+            </a:r>
+            <a:r>
+              <a:rPr lang="en-US" altLang="zh-CN"/>
+              <a:t>W3C</a:t>
+            </a:r>
+            <a:r>
+              <a:rPr lang="zh-CN" altLang="en-US"/>
+              <a:t>盒子标准。</a:t>
+            </a:r>
+            <a:endParaRPr lang="en-US" altLang="zh-CN"/>
+          </a:p>
+          <a:p>
+            <a:r>
+              <a:rPr lang="en-US" altLang="zh-CN"/>
+              <a:t>W3C</a:t>
+            </a:r>
+            <a:r>
+              <a:rPr lang="zh-CN" altLang="en-US"/>
+              <a:t>盒子标准浏览器默认使用的盒子标准。但是在使用中，常用的是</a:t>
+            </a:r>
+            <a:r>
+              <a:rPr lang="en-US" altLang="zh-CN"/>
+              <a:t>IE</a:t>
+            </a:r>
+            <a:r>
+              <a:rPr lang="zh-CN" altLang="en-US"/>
+              <a:t>盒子标准。</a:t>
+            </a:r>
+            <a:endParaRPr lang="en-US" altLang="zh-CN"/>
+          </a:p>
+          <a:p>
+            <a:r>
+              <a:rPr lang="zh-CN" altLang="en-US"/>
+              <a:t>使用</a:t>
+            </a:r>
+            <a:r>
+              <a:rPr lang="en-US" altLang="zh-CN"/>
+              <a:t>box-sizing:border-box</a:t>
+            </a:r>
+            <a:r>
+              <a:rPr lang="zh-CN" altLang="en-US"/>
+              <a:t>将盒子标准设置为</a:t>
+            </a:r>
+            <a:r>
+              <a:rPr lang="en-US" altLang="zh-CN"/>
+              <a:t>IE</a:t>
+            </a:r>
+            <a:r>
+              <a:rPr lang="zh-CN" altLang="en-US"/>
+              <a:t>标准。</a:t>
+            </a:r>
+            <a:endParaRPr lang="en-US" altLang="zh-CN"/>
+          </a:p>
+        </p:txBody>
+      </p:sp>
+    </p:spTree>
+    <p:extLst>
+      <p:ext uri="{BB962C8B-B14F-4D97-AF65-F5344CB8AC3E}">
+        <p14:creationId xmlns:p14="http://schemas.microsoft.com/office/powerpoint/2010/main" val="1959368802"/>
+      </p:ext>
+    </p:extLst>
+  </p:cSld>
+  <p:clrMapOvr>
+    <a:masterClrMapping/>
+  </p:clrMapOvr>
+</p:sld>
+</file>
+
+<file path=ppt/slides/slide5.xml><?xml version="1.0" encoding="utf-8"?>
+<p:sld xmlns:a="http://schemas.openxmlformats.org/drawingml/2006/main" xmlns:r="http://schemas.openxmlformats.org/officeDocument/2006/relationships" xmlns:p="http://schemas.openxmlformats.org/presentationml/2006/main">
+  <p:cSld>
+    <p:spTree>
+      <p:nvGrpSpPr>
+        <p:cNvPr id="1" name=""/>
+        <p:cNvGrpSpPr/>
+        <p:nvPr/>
+      </p:nvGrpSpPr>
+      <p:grpSpPr>
+        <a:xfrm>
+          <a:off x="0" y="0"/>
+          <a:ext cx="0" cy="0"/>
+          <a:chOff x="0" y="0"/>
+          <a:chExt cx="0" cy="0"/>
+        </a:xfrm>
+      </p:grpSpPr>
+      <p:sp>
+        <p:nvSpPr>
+          <p:cNvPr id="2" name="标题 1"/>
+          <p:cNvSpPr>
+            <a:spLocks noGrp="1"/>
+          </p:cNvSpPr>
+          <p:nvPr>
+            <p:ph type="title"/>
+          </p:nvPr>
+        </p:nvSpPr>
+        <p:spPr/>
+        <p:txBody>
+          <a:bodyPr/>
+          <a:lstStyle/>
+          <a:p>
+            <a:r>
               <a:rPr lang="en-US" altLang="zh-CN"/>
               <a:t>W3C</a:t>
             </a:r>
@@ -3677,7 +3996,7 @@
 </p:sld>
 </file>
 
-<file path=ppt/slides/slide4.xml><?xml version="1.0" encoding="utf-8"?>
+<file path=ppt/slides/slide6.xml><?xml version="1.0" encoding="utf-8"?>
 <p:sld xmlns:a="http://schemas.openxmlformats.org/drawingml/2006/main" xmlns:r="http://schemas.openxmlformats.org/officeDocument/2006/relationships" xmlns:p="http://schemas.openxmlformats.org/presentationml/2006/main">
   <p:cSld>
     <p:spTree>

--- a/网页设计与制作/课件/6/css盒子.pptx
+++ b/网页设计与制作/课件/6/css盒子.pptx
@@ -11,6 +11,11 @@
     <p:sldId id="268" r:id="rId5"/>
     <p:sldId id="269" r:id="rId6"/>
     <p:sldId id="270" r:id="rId7"/>
+    <p:sldId id="273" r:id="rId8"/>
+    <p:sldId id="274" r:id="rId9"/>
+    <p:sldId id="275" r:id="rId10"/>
+    <p:sldId id="276" r:id="rId11"/>
+    <p:sldId id="277" r:id="rId12"/>
   </p:sldIdLst>
   <p:sldSz cx="12192000" cy="6858000"/>
   <p:notesSz cx="6858000" cy="9144000"/>
@@ -264,7 +269,7 @@
           <a:p>
             <a:fld id="{E83EDE64-C72F-4BF4-B472-CBD4067196D8}" type="datetimeFigureOut">
               <a:rPr lang="zh-CN" altLang="en-US" smtClean="0"/>
-              <a:t>2020/10/19</a:t>
+              <a:t>2020/10/22</a:t>
             </a:fld>
             <a:endParaRPr lang="zh-CN" altLang="en-US"/>
           </a:p>
@@ -462,7 +467,7 @@
           <a:p>
             <a:fld id="{E83EDE64-C72F-4BF4-B472-CBD4067196D8}" type="datetimeFigureOut">
               <a:rPr lang="zh-CN" altLang="en-US" smtClean="0"/>
-              <a:t>2020/10/19</a:t>
+              <a:t>2020/10/22</a:t>
             </a:fld>
             <a:endParaRPr lang="zh-CN" altLang="en-US"/>
           </a:p>
@@ -670,7 +675,7 @@
           <a:p>
             <a:fld id="{E83EDE64-C72F-4BF4-B472-CBD4067196D8}" type="datetimeFigureOut">
               <a:rPr lang="zh-CN" altLang="en-US" smtClean="0"/>
-              <a:t>2020/10/19</a:t>
+              <a:t>2020/10/22</a:t>
             </a:fld>
             <a:endParaRPr lang="zh-CN" altLang="en-US"/>
           </a:p>
@@ -868,7 +873,7 @@
           <a:p>
             <a:fld id="{E83EDE64-C72F-4BF4-B472-CBD4067196D8}" type="datetimeFigureOut">
               <a:rPr lang="zh-CN" altLang="en-US" smtClean="0"/>
-              <a:t>2020/10/19</a:t>
+              <a:t>2020/10/22</a:t>
             </a:fld>
             <a:endParaRPr lang="zh-CN" altLang="en-US"/>
           </a:p>
@@ -1143,7 +1148,7 @@
           <a:p>
             <a:fld id="{E83EDE64-C72F-4BF4-B472-CBD4067196D8}" type="datetimeFigureOut">
               <a:rPr lang="zh-CN" altLang="en-US" smtClean="0"/>
-              <a:t>2020/10/19</a:t>
+              <a:t>2020/10/22</a:t>
             </a:fld>
             <a:endParaRPr lang="zh-CN" altLang="en-US"/>
           </a:p>
@@ -1408,7 +1413,7 @@
           <a:p>
             <a:fld id="{E83EDE64-C72F-4BF4-B472-CBD4067196D8}" type="datetimeFigureOut">
               <a:rPr lang="zh-CN" altLang="en-US" smtClean="0"/>
-              <a:t>2020/10/19</a:t>
+              <a:t>2020/10/22</a:t>
             </a:fld>
             <a:endParaRPr lang="zh-CN" altLang="en-US"/>
           </a:p>
@@ -1820,7 +1825,7 @@
           <a:p>
             <a:fld id="{E83EDE64-C72F-4BF4-B472-CBD4067196D8}" type="datetimeFigureOut">
               <a:rPr lang="zh-CN" altLang="en-US" smtClean="0"/>
-              <a:t>2020/10/19</a:t>
+              <a:t>2020/10/22</a:t>
             </a:fld>
             <a:endParaRPr lang="zh-CN" altLang="en-US"/>
           </a:p>
@@ -1961,7 +1966,7 @@
           <a:p>
             <a:fld id="{E83EDE64-C72F-4BF4-B472-CBD4067196D8}" type="datetimeFigureOut">
               <a:rPr lang="zh-CN" altLang="en-US" smtClean="0"/>
-              <a:t>2020/10/19</a:t>
+              <a:t>2020/10/22</a:t>
             </a:fld>
             <a:endParaRPr lang="zh-CN" altLang="en-US"/>
           </a:p>
@@ -2074,7 +2079,7 @@
           <a:p>
             <a:fld id="{E83EDE64-C72F-4BF4-B472-CBD4067196D8}" type="datetimeFigureOut">
               <a:rPr lang="zh-CN" altLang="en-US" smtClean="0"/>
-              <a:t>2020/10/19</a:t>
+              <a:t>2020/10/22</a:t>
             </a:fld>
             <a:endParaRPr lang="zh-CN" altLang="en-US"/>
           </a:p>
@@ -2385,7 +2390,7 @@
           <a:p>
             <a:fld id="{E83EDE64-C72F-4BF4-B472-CBD4067196D8}" type="datetimeFigureOut">
               <a:rPr lang="zh-CN" altLang="en-US" smtClean="0"/>
-              <a:t>2020/10/19</a:t>
+              <a:t>2020/10/22</a:t>
             </a:fld>
             <a:endParaRPr lang="zh-CN" altLang="en-US"/>
           </a:p>
@@ -2673,7 +2678,7 @@
           <a:p>
             <a:fld id="{E83EDE64-C72F-4BF4-B472-CBD4067196D8}" type="datetimeFigureOut">
               <a:rPr lang="zh-CN" altLang="en-US" smtClean="0"/>
-              <a:t>2020/10/19</a:t>
+              <a:t>2020/10/22</a:t>
             </a:fld>
             <a:endParaRPr lang="zh-CN" altLang="en-US"/>
           </a:p>
@@ -2914,7 +2919,7 @@
           <a:p>
             <a:fld id="{E83EDE64-C72F-4BF4-B472-CBD4067196D8}" type="datetimeFigureOut">
               <a:rPr lang="zh-CN" altLang="en-US" smtClean="0"/>
-              <a:t>2020/10/19</a:t>
+              <a:t>2020/10/22</a:t>
             </a:fld>
             <a:endParaRPr lang="zh-CN" altLang="en-US"/>
           </a:p>
@@ -3450,6 +3455,245 @@
 </p:sld>
 </file>
 
+<file path=ppt/slides/slide10.xml><?xml version="1.0" encoding="utf-8"?>
+<p:sld xmlns:a="http://schemas.openxmlformats.org/drawingml/2006/main" xmlns:r="http://schemas.openxmlformats.org/officeDocument/2006/relationships" xmlns:p="http://schemas.openxmlformats.org/presentationml/2006/main">
+  <p:cSld>
+    <p:spTree>
+      <p:nvGrpSpPr>
+        <p:cNvPr id="1" name=""/>
+        <p:cNvGrpSpPr/>
+        <p:nvPr/>
+      </p:nvGrpSpPr>
+      <p:grpSpPr>
+        <a:xfrm>
+          <a:off x="0" y="0"/>
+          <a:ext cx="0" cy="0"/>
+          <a:chOff x="0" y="0"/>
+          <a:chExt cx="0" cy="0"/>
+        </a:xfrm>
+      </p:grpSpPr>
+      <p:sp>
+        <p:nvSpPr>
+          <p:cNvPr id="2" name="标题 1"/>
+          <p:cNvSpPr>
+            <a:spLocks noGrp="1"/>
+          </p:cNvSpPr>
+          <p:nvPr>
+            <p:ph type="title"/>
+          </p:nvPr>
+        </p:nvSpPr>
+        <p:spPr/>
+        <p:txBody>
+          <a:bodyPr/>
+          <a:lstStyle/>
+          <a:p>
+            <a:r>
+              <a:rPr lang="zh-CN" altLang="en-US" smtClean="0"/>
+              <a:t>内联块级元素</a:t>
+            </a:r>
+            <a:endParaRPr lang="zh-CN" altLang="en-US"/>
+          </a:p>
+        </p:txBody>
+      </p:sp>
+      <p:sp>
+        <p:nvSpPr>
+          <p:cNvPr id="3" name="内容占位符 2"/>
+          <p:cNvSpPr>
+            <a:spLocks noGrp="1"/>
+          </p:cNvSpPr>
+          <p:nvPr>
+            <p:ph idx="1"/>
+          </p:nvPr>
+        </p:nvSpPr>
+        <p:spPr/>
+        <p:txBody>
+          <a:bodyPr>
+            <a:normAutofit/>
+          </a:bodyPr>
+          <a:lstStyle/>
+          <a:p>
+            <a:r>
+              <a:rPr lang="zh-CN" altLang="en-US" sz="3600" smtClean="0"/>
+              <a:t>内联块级元素与内联元素的区别：</a:t>
+            </a:r>
+            <a:endParaRPr lang="en-US" altLang="zh-CN" sz="3600" smtClean="0"/>
+          </a:p>
+          <a:p>
+            <a:r>
+              <a:rPr lang="zh-CN" altLang="en-US" sz="3600"/>
+              <a:t>内</a:t>
+            </a:r>
+            <a:r>
+              <a:rPr lang="zh-CN" altLang="en-US" sz="3600" smtClean="0"/>
+              <a:t>联块级元素能设置</a:t>
+            </a:r>
+            <a:r>
+              <a:rPr lang="en-US" altLang="zh-CN" sz="3600" smtClean="0"/>
+              <a:t>width</a:t>
+            </a:r>
+            <a:r>
+              <a:rPr lang="zh-CN" altLang="en-US" sz="3600" smtClean="0"/>
+              <a:t>、</a:t>
+            </a:r>
+            <a:r>
+              <a:rPr lang="en-US" altLang="zh-CN" sz="3600" smtClean="0"/>
+              <a:t>height</a:t>
+            </a:r>
+            <a:r>
+              <a:rPr lang="zh-CN" altLang="en-US" sz="3600" smtClean="0"/>
+              <a:t>、</a:t>
+            </a:r>
+            <a:r>
+              <a:rPr lang="en-US" altLang="zh-CN" sz="3600" smtClean="0"/>
+              <a:t>padding</a:t>
+            </a:r>
+            <a:r>
+              <a:rPr lang="zh-CN" altLang="en-US" sz="3600" smtClean="0"/>
+              <a:t>、</a:t>
+            </a:r>
+            <a:r>
+              <a:rPr lang="en-US" altLang="zh-CN" sz="3600" smtClean="0"/>
+              <a:t>margin</a:t>
+            </a:r>
+            <a:r>
+              <a:rPr lang="zh-CN" altLang="en-US" sz="3600" smtClean="0"/>
+              <a:t>。</a:t>
+            </a:r>
+            <a:endParaRPr lang="en-US" altLang="zh-CN" sz="3600" smtClean="0"/>
+          </a:p>
+          <a:p>
+            <a:r>
+              <a:rPr lang="zh-CN" altLang="en-US" sz="3600" smtClean="0"/>
+              <a:t>默认内联块级元素：</a:t>
+            </a:r>
+            <a:endParaRPr lang="en-US" altLang="zh-CN" sz="3600" smtClean="0"/>
+          </a:p>
+          <a:p>
+            <a:r>
+              <a:rPr lang="en-US" altLang="zh-CN" sz="3600" smtClean="0"/>
+              <a:t>img</a:t>
+            </a:r>
+            <a:r>
+              <a:rPr lang="zh-CN" altLang="en-US" sz="3600" smtClean="0"/>
+              <a:t>，</a:t>
+            </a:r>
+            <a:r>
+              <a:rPr lang="en-US" altLang="zh-CN" sz="3600" smtClean="0"/>
+              <a:t>input</a:t>
+            </a:r>
+            <a:endParaRPr lang="zh-CN" altLang="en-US" sz="3600"/>
+          </a:p>
+        </p:txBody>
+      </p:sp>
+    </p:spTree>
+    <p:extLst>
+      <p:ext uri="{BB962C8B-B14F-4D97-AF65-F5344CB8AC3E}">
+        <p14:creationId xmlns:p14="http://schemas.microsoft.com/office/powerpoint/2010/main" val="1497046040"/>
+      </p:ext>
+    </p:extLst>
+  </p:cSld>
+  <p:clrMapOvr>
+    <a:masterClrMapping/>
+  </p:clrMapOvr>
+</p:sld>
+</file>
+
+<file path=ppt/slides/slide11.xml><?xml version="1.0" encoding="utf-8"?>
+<p:sld xmlns:a="http://schemas.openxmlformats.org/drawingml/2006/main" xmlns:r="http://schemas.openxmlformats.org/officeDocument/2006/relationships" xmlns:p="http://schemas.openxmlformats.org/presentationml/2006/main">
+  <p:cSld>
+    <p:spTree>
+      <p:nvGrpSpPr>
+        <p:cNvPr id="1" name=""/>
+        <p:cNvGrpSpPr/>
+        <p:nvPr/>
+      </p:nvGrpSpPr>
+      <p:grpSpPr>
+        <a:xfrm>
+          <a:off x="0" y="0"/>
+          <a:ext cx="0" cy="0"/>
+          <a:chOff x="0" y="0"/>
+          <a:chExt cx="0" cy="0"/>
+        </a:xfrm>
+      </p:grpSpPr>
+      <p:sp>
+        <p:nvSpPr>
+          <p:cNvPr id="2" name="标题 1"/>
+          <p:cNvSpPr>
+            <a:spLocks noGrp="1"/>
+          </p:cNvSpPr>
+          <p:nvPr>
+            <p:ph type="title"/>
+          </p:nvPr>
+        </p:nvSpPr>
+        <p:spPr/>
+        <p:txBody>
+          <a:bodyPr/>
+          <a:lstStyle/>
+          <a:p>
+            <a:r>
+              <a:rPr lang="zh-CN" altLang="en-US" smtClean="0"/>
+              <a:t>隐藏元素</a:t>
+            </a:r>
+            <a:endParaRPr lang="zh-CN" altLang="en-US"/>
+          </a:p>
+        </p:txBody>
+      </p:sp>
+      <p:sp>
+        <p:nvSpPr>
+          <p:cNvPr id="3" name="内容占位符 2"/>
+          <p:cNvSpPr>
+            <a:spLocks noGrp="1"/>
+          </p:cNvSpPr>
+          <p:nvPr>
+            <p:ph idx="1"/>
+          </p:nvPr>
+        </p:nvSpPr>
+        <p:spPr/>
+        <p:txBody>
+          <a:bodyPr/>
+          <a:lstStyle/>
+          <a:p>
+            <a:r>
+              <a:rPr lang="zh-CN" altLang="en-US"/>
+              <a:t>设置</a:t>
+            </a:r>
+            <a:r>
+              <a:rPr lang="zh-CN" altLang="en-US" smtClean="0"/>
+              <a:t>元素</a:t>
+            </a:r>
+            <a:r>
+              <a:rPr lang="en-US" altLang="zh-CN" smtClean="0"/>
+              <a:t>css</a:t>
+            </a:r>
+            <a:r>
+              <a:rPr lang="zh-CN" altLang="en-US" smtClean="0"/>
+              <a:t>属性</a:t>
+            </a:r>
+            <a:r>
+              <a:rPr lang="en-US" altLang="zh-CN" smtClean="0"/>
+              <a:t>display:none</a:t>
+            </a:r>
+            <a:r>
+              <a:rPr lang="zh-CN" altLang="en-US" smtClean="0"/>
+              <a:t>将元素隐藏，并且不占空间。</a:t>
+            </a:r>
+            <a:endParaRPr lang="zh-CN" altLang="en-US"/>
+          </a:p>
+        </p:txBody>
+      </p:sp>
+    </p:spTree>
+    <p:extLst>
+      <p:ext uri="{BB962C8B-B14F-4D97-AF65-F5344CB8AC3E}">
+        <p14:creationId xmlns:p14="http://schemas.microsoft.com/office/powerpoint/2010/main" val="100796263"/>
+      </p:ext>
+    </p:extLst>
+  </p:cSld>
+  <p:clrMapOvr>
+    <a:masterClrMapping/>
+  </p:clrMapOvr>
+</p:sld>
+</file>
+
 <file path=ppt/slides/slide2.xml><?xml version="1.0" encoding="utf-8"?>
 <p:sld xmlns:a="http://schemas.openxmlformats.org/drawingml/2006/main" xmlns:r="http://schemas.openxmlformats.org/officeDocument/2006/relationships" xmlns:p="http://schemas.openxmlformats.org/presentationml/2006/main">
   <p:cSld>
@@ -3664,11 +3908,7 @@
           <a:p>
             <a:r>
               <a:rPr lang="zh-CN" altLang="en-US"/>
-              <a:t>内外边距</a:t>
-            </a:r>
-            <a:r>
-              <a:rPr lang="zh-CN" altLang="en-US"/>
-              <a:t>的</a:t>
+              <a:t>内外边距的</a:t>
             </a:r>
             <a:r>
               <a:rPr lang="zh-CN" altLang="en-US" smtClean="0"/>
@@ -4072,6 +4312,403 @@
     <p:extLst>
       <p:ext uri="{BB962C8B-B14F-4D97-AF65-F5344CB8AC3E}">
         <p14:creationId xmlns:p14="http://schemas.microsoft.com/office/powerpoint/2010/main" val="3856797536"/>
+      </p:ext>
+    </p:extLst>
+  </p:cSld>
+  <p:clrMapOvr>
+    <a:masterClrMapping/>
+  </p:clrMapOvr>
+</p:sld>
+</file>
+
+<file path=ppt/slides/slide7.xml><?xml version="1.0" encoding="utf-8"?>
+<p:sld xmlns:a="http://schemas.openxmlformats.org/drawingml/2006/main" xmlns:r="http://schemas.openxmlformats.org/officeDocument/2006/relationships" xmlns:p="http://schemas.openxmlformats.org/presentationml/2006/main">
+  <p:cSld>
+    <p:spTree>
+      <p:nvGrpSpPr>
+        <p:cNvPr id="1" name=""/>
+        <p:cNvGrpSpPr/>
+        <p:nvPr/>
+      </p:nvGrpSpPr>
+      <p:grpSpPr>
+        <a:xfrm>
+          <a:off x="0" y="0"/>
+          <a:ext cx="0" cy="0"/>
+          <a:chOff x="0" y="0"/>
+          <a:chExt cx="0" cy="0"/>
+        </a:xfrm>
+      </p:grpSpPr>
+      <p:sp>
+        <p:nvSpPr>
+          <p:cNvPr id="2" name="标题 1"/>
+          <p:cNvSpPr>
+            <a:spLocks noGrp="1"/>
+          </p:cNvSpPr>
+          <p:nvPr>
+            <p:ph type="ctrTitle"/>
+          </p:nvPr>
+        </p:nvSpPr>
+        <p:spPr/>
+        <p:txBody>
+          <a:bodyPr/>
+          <a:lstStyle/>
+          <a:p>
+            <a:r>
+              <a:rPr lang="zh-CN" altLang="en-US" smtClean="0"/>
+              <a:t>盒子类型</a:t>
+            </a:r>
+            <a:endParaRPr lang="zh-CN" altLang="en-US"/>
+          </a:p>
+        </p:txBody>
+      </p:sp>
+      <p:sp>
+        <p:nvSpPr>
+          <p:cNvPr id="3" name="副标题 2"/>
+          <p:cNvSpPr>
+            <a:spLocks noGrp="1"/>
+          </p:cNvSpPr>
+          <p:nvPr>
+            <p:ph type="subTitle" idx="1"/>
+          </p:nvPr>
+        </p:nvSpPr>
+        <p:spPr/>
+        <p:txBody>
+          <a:bodyPr/>
+          <a:lstStyle/>
+          <a:p>
+            <a:endParaRPr lang="zh-CN" altLang="en-US"/>
+          </a:p>
+        </p:txBody>
+      </p:sp>
+    </p:spTree>
+    <p:extLst>
+      <p:ext uri="{BB962C8B-B14F-4D97-AF65-F5344CB8AC3E}">
+        <p14:creationId xmlns:p14="http://schemas.microsoft.com/office/powerpoint/2010/main" val="1191364645"/>
+      </p:ext>
+    </p:extLst>
+  </p:cSld>
+  <p:clrMapOvr>
+    <a:masterClrMapping/>
+  </p:clrMapOvr>
+</p:sld>
+</file>
+
+<file path=ppt/slides/slide8.xml><?xml version="1.0" encoding="utf-8"?>
+<p:sld xmlns:a="http://schemas.openxmlformats.org/drawingml/2006/main" xmlns:r="http://schemas.openxmlformats.org/officeDocument/2006/relationships" xmlns:p="http://schemas.openxmlformats.org/presentationml/2006/main">
+  <p:cSld>
+    <p:spTree>
+      <p:nvGrpSpPr>
+        <p:cNvPr id="1" name=""/>
+        <p:cNvGrpSpPr/>
+        <p:nvPr/>
+      </p:nvGrpSpPr>
+      <p:grpSpPr>
+        <a:xfrm>
+          <a:off x="0" y="0"/>
+          <a:ext cx="0" cy="0"/>
+          <a:chOff x="0" y="0"/>
+          <a:chExt cx="0" cy="0"/>
+        </a:xfrm>
+      </p:grpSpPr>
+      <p:sp>
+        <p:nvSpPr>
+          <p:cNvPr id="2" name="标题 1"/>
+          <p:cNvSpPr>
+            <a:spLocks noGrp="1"/>
+          </p:cNvSpPr>
+          <p:nvPr>
+            <p:ph type="title"/>
+          </p:nvPr>
+        </p:nvSpPr>
+        <p:spPr/>
+        <p:txBody>
+          <a:bodyPr/>
+          <a:lstStyle/>
+          <a:p>
+            <a:r>
+              <a:rPr lang="zh-CN" altLang="en-US"/>
+              <a:t>块</a:t>
+            </a:r>
+            <a:r>
+              <a:rPr lang="zh-CN" altLang="en-US" smtClean="0"/>
+              <a:t>级元素</a:t>
+            </a:r>
+            <a:endParaRPr lang="zh-CN" altLang="en-US"/>
+          </a:p>
+        </p:txBody>
+      </p:sp>
+      <p:sp>
+        <p:nvSpPr>
+          <p:cNvPr id="3" name="内容占位符 2"/>
+          <p:cNvSpPr>
+            <a:spLocks noGrp="1"/>
+          </p:cNvSpPr>
+          <p:nvPr>
+            <p:ph idx="1"/>
+          </p:nvPr>
+        </p:nvSpPr>
+        <p:spPr/>
+        <p:txBody>
+          <a:bodyPr>
+            <a:normAutofit/>
+          </a:bodyPr>
+          <a:lstStyle/>
+          <a:p>
+            <a:r>
+              <a:rPr lang="zh-CN" altLang="en-US" sz="3600"/>
+              <a:t>块</a:t>
+            </a:r>
+            <a:r>
+              <a:rPr lang="zh-CN" altLang="en-US" sz="3600" smtClean="0"/>
+              <a:t>级元素会占满一整行，与其相邻的元素会从新的行开始。</a:t>
+            </a:r>
+            <a:endParaRPr lang="en-US" altLang="zh-CN" sz="3600" smtClean="0"/>
+          </a:p>
+          <a:p>
+            <a:r>
+              <a:rPr lang="zh-CN" altLang="en-US" sz="3600" smtClean="0"/>
+              <a:t>通过设置元素</a:t>
+            </a:r>
+            <a:r>
+              <a:rPr lang="en-US" altLang="zh-CN" sz="3600" smtClean="0"/>
+              <a:t>css</a:t>
+            </a:r>
+            <a:r>
+              <a:rPr lang="zh-CN" altLang="en-US" sz="3600" smtClean="0"/>
+              <a:t>属性</a:t>
+            </a:r>
+            <a:r>
+              <a:rPr lang="en-US" altLang="zh-CN" sz="3600" smtClean="0"/>
+              <a:t>display:block</a:t>
+            </a:r>
+            <a:r>
+              <a:rPr lang="zh-CN" altLang="en-US" sz="3600" smtClean="0"/>
+              <a:t>将元素设置为块级元素。</a:t>
+            </a:r>
+            <a:endParaRPr lang="en-US" altLang="zh-CN" sz="3600" smtClean="0"/>
+          </a:p>
+          <a:p>
+            <a:r>
+              <a:rPr lang="zh-CN" altLang="en-US" sz="3600" smtClean="0"/>
+              <a:t>默认是块的元素：</a:t>
+            </a:r>
+            <a:endParaRPr lang="en-US" altLang="zh-CN" sz="3600" smtClean="0"/>
+          </a:p>
+          <a:p>
+            <a:r>
+              <a:rPr lang="en-US" altLang="zh-CN" sz="3600" smtClean="0"/>
+              <a:t>h1~h6</a:t>
+            </a:r>
+            <a:r>
+              <a:rPr lang="zh-CN" altLang="en-US" sz="3600" smtClean="0"/>
+              <a:t>，</a:t>
+            </a:r>
+            <a:r>
+              <a:rPr lang="en-US" altLang="zh-CN" sz="3600" smtClean="0"/>
+              <a:t>p</a:t>
+            </a:r>
+            <a:r>
+              <a:rPr lang="zh-CN" altLang="en-US" sz="3600" smtClean="0"/>
+              <a:t>，</a:t>
+            </a:r>
+            <a:r>
+              <a:rPr lang="en-US" altLang="zh-CN" sz="3600" smtClean="0"/>
+              <a:t>div</a:t>
+            </a:r>
+            <a:endParaRPr lang="zh-CN" altLang="en-US" sz="3600"/>
+          </a:p>
+        </p:txBody>
+      </p:sp>
+    </p:spTree>
+    <p:extLst>
+      <p:ext uri="{BB962C8B-B14F-4D97-AF65-F5344CB8AC3E}">
+        <p14:creationId xmlns:p14="http://schemas.microsoft.com/office/powerpoint/2010/main" val="1414346449"/>
+      </p:ext>
+    </p:extLst>
+  </p:cSld>
+  <p:clrMapOvr>
+    <a:masterClrMapping/>
+  </p:clrMapOvr>
+</p:sld>
+</file>
+
+<file path=ppt/slides/slide9.xml><?xml version="1.0" encoding="utf-8"?>
+<p:sld xmlns:a="http://schemas.openxmlformats.org/drawingml/2006/main" xmlns:r="http://schemas.openxmlformats.org/officeDocument/2006/relationships" xmlns:p="http://schemas.openxmlformats.org/presentationml/2006/main">
+  <p:cSld>
+    <p:spTree>
+      <p:nvGrpSpPr>
+        <p:cNvPr id="1" name=""/>
+        <p:cNvGrpSpPr/>
+        <p:nvPr/>
+      </p:nvGrpSpPr>
+      <p:grpSpPr>
+        <a:xfrm>
+          <a:off x="0" y="0"/>
+          <a:ext cx="0" cy="0"/>
+          <a:chOff x="0" y="0"/>
+          <a:chExt cx="0" cy="0"/>
+        </a:xfrm>
+      </p:grpSpPr>
+      <p:sp>
+        <p:nvSpPr>
+          <p:cNvPr id="2" name="标题 1"/>
+          <p:cNvSpPr>
+            <a:spLocks noGrp="1"/>
+          </p:cNvSpPr>
+          <p:nvPr>
+            <p:ph type="title"/>
+          </p:nvPr>
+        </p:nvSpPr>
+        <p:spPr/>
+        <p:txBody>
+          <a:bodyPr/>
+          <a:lstStyle/>
+          <a:p>
+            <a:r>
+              <a:rPr lang="zh-CN" altLang="en-US" smtClean="0"/>
+              <a:t>内联元素</a:t>
+            </a:r>
+            <a:endParaRPr lang="zh-CN" altLang="en-US"/>
+          </a:p>
+        </p:txBody>
+      </p:sp>
+      <p:sp>
+        <p:nvSpPr>
+          <p:cNvPr id="3" name="内容占位符 2"/>
+          <p:cNvSpPr>
+            <a:spLocks noGrp="1"/>
+          </p:cNvSpPr>
+          <p:nvPr>
+            <p:ph idx="1"/>
+          </p:nvPr>
+        </p:nvSpPr>
+        <p:spPr/>
+        <p:txBody>
+          <a:bodyPr>
+            <a:normAutofit/>
+          </a:bodyPr>
+          <a:lstStyle/>
+          <a:p>
+            <a:r>
+              <a:rPr lang="zh-CN" altLang="en-US" sz="3200" smtClean="0"/>
+              <a:t>内联元素也叫行内元素，会与其他的内联元素在一行排列。</a:t>
+            </a:r>
+            <a:endParaRPr lang="en-US" altLang="zh-CN" sz="3200" smtClean="0"/>
+          </a:p>
+          <a:p>
+            <a:r>
+              <a:rPr lang="zh-CN" altLang="en-US" sz="3200" smtClean="0"/>
+              <a:t>通过设置元素</a:t>
+            </a:r>
+            <a:r>
+              <a:rPr lang="en-US" altLang="zh-CN" sz="3200" smtClean="0"/>
+              <a:t>css</a:t>
+            </a:r>
+            <a:r>
+              <a:rPr lang="zh-CN" altLang="en-US" sz="3200" smtClean="0"/>
+              <a:t>属性</a:t>
+            </a:r>
+            <a:r>
+              <a:rPr lang="en-US" altLang="zh-CN" sz="3200" smtClean="0"/>
+              <a:t>display:inline</a:t>
+            </a:r>
+            <a:r>
+              <a:rPr lang="zh-CN" altLang="en-US" sz="3200" smtClean="0"/>
+              <a:t>将元素设置为内联元素。</a:t>
+            </a:r>
+            <a:endParaRPr lang="en-US" altLang="zh-CN" sz="3200" smtClean="0"/>
+          </a:p>
+          <a:p>
+            <a:r>
+              <a:rPr lang="zh-CN" altLang="en-US" sz="3200"/>
+              <a:t>内</a:t>
+            </a:r>
+            <a:r>
+              <a:rPr lang="zh-CN" altLang="en-US" sz="3200"/>
+              <a:t>联</a:t>
+            </a:r>
+            <a:r>
+              <a:rPr lang="zh-CN" altLang="en-US" sz="3200" smtClean="0"/>
+              <a:t>元素无法设置</a:t>
+            </a:r>
+            <a:r>
+              <a:rPr lang="en-US" altLang="zh-CN" sz="3200" smtClean="0"/>
+              <a:t>width</a:t>
+            </a:r>
+            <a:r>
+              <a:rPr lang="zh-CN" altLang="en-US" sz="3200" smtClean="0"/>
+              <a:t>、</a:t>
+            </a:r>
+            <a:r>
+              <a:rPr lang="en-US" altLang="zh-CN" sz="3200" smtClean="0"/>
+              <a:t>height</a:t>
+            </a:r>
+            <a:r>
+              <a:rPr lang="zh-CN" altLang="en-US" sz="3200" smtClean="0"/>
+              <a:t>、</a:t>
+            </a:r>
+            <a:r>
+              <a:rPr lang="en-US" altLang="zh-CN" sz="3200" smtClean="0"/>
+              <a:t>padding</a:t>
+            </a:r>
+            <a:r>
+              <a:rPr lang="zh-CN" altLang="en-US" sz="3200" smtClean="0"/>
+              <a:t>、</a:t>
+            </a:r>
+            <a:r>
+              <a:rPr lang="en-US" altLang="zh-CN" sz="3200" smtClean="0"/>
+              <a:t>margin</a:t>
+            </a:r>
+            <a:r>
+              <a:rPr lang="zh-CN" altLang="en-US" sz="3200" smtClean="0"/>
+              <a:t>等属性。</a:t>
+            </a:r>
+            <a:endParaRPr lang="en-US" altLang="zh-CN" sz="3200" smtClean="0"/>
+          </a:p>
+          <a:p>
+            <a:r>
+              <a:rPr lang="zh-CN" altLang="en-US" sz="3200" smtClean="0"/>
+              <a:t>默认是内联的元素：</a:t>
+            </a:r>
+            <a:endParaRPr lang="en-US" altLang="zh-CN" sz="3200" smtClean="0"/>
+          </a:p>
+          <a:p>
+            <a:r>
+              <a:rPr lang="en-US" altLang="zh-CN" sz="3200" smtClean="0"/>
+              <a:t>span</a:t>
+            </a:r>
+            <a:r>
+              <a:rPr lang="zh-CN" altLang="en-US" sz="3200" smtClean="0"/>
+              <a:t>，</a:t>
+            </a:r>
+            <a:r>
+              <a:rPr lang="en-US" altLang="zh-CN" sz="3200" smtClean="0"/>
+              <a:t>a</a:t>
+            </a:r>
+            <a:r>
+              <a:rPr lang="zh-CN" altLang="en-US" sz="3200" smtClean="0"/>
+              <a:t>，</a:t>
+            </a:r>
+            <a:r>
+              <a:rPr lang="en-US" altLang="zh-CN" sz="3200" smtClean="0"/>
+              <a:t>strong</a:t>
+            </a:r>
+            <a:r>
+              <a:rPr lang="zh-CN" altLang="en-US" sz="3200" smtClean="0"/>
+              <a:t>，</a:t>
+            </a:r>
+            <a:r>
+              <a:rPr lang="en-US" altLang="zh-CN" sz="3200" smtClean="0"/>
+              <a:t>em</a:t>
+            </a:r>
+            <a:endParaRPr lang="zh-CN" altLang="en-US" sz="3200"/>
+          </a:p>
+        </p:txBody>
+      </p:sp>
+    </p:spTree>
+    <p:extLst>
+      <p:ext uri="{BB962C8B-B14F-4D97-AF65-F5344CB8AC3E}">
+        <p14:creationId xmlns:p14="http://schemas.microsoft.com/office/powerpoint/2010/main" val="3726006283"/>
       </p:ext>
     </p:extLst>
   </p:cSld>

--- a/网页设计与制作/课件/6/css盒子.pptx
+++ b/网页设计与制作/课件/6/css盒子.pptx
@@ -4621,11 +4621,7 @@
           <a:p>
             <a:r>
               <a:rPr lang="zh-CN" altLang="en-US" sz="3200"/>
-              <a:t>内</a:t>
-            </a:r>
-            <a:r>
-              <a:rPr lang="zh-CN" altLang="en-US" sz="3200"/>
-              <a:t>联</a:t>
+              <a:t>内联</a:t>
             </a:r>
             <a:r>
               <a:rPr lang="zh-CN" altLang="en-US" sz="3200" smtClean="0"/>
